--- a/98 - Let Us Pray for One Another.pptx
+++ b/98 - Let Us Pray for One Another.pptx
@@ -244,7 +244,7 @@
           <a:p>
             <a:fld id="{32F7251A-AE54-443C-B8FE-5F636E835EBF}" type="datetimeFigureOut">
               <a:rPr lang="en-US" smtClean="0"/>
-              <a:t>2/18/2018</a:t>
+              <a:t>8/2/2020</a:t>
             </a:fld>
             <a:endParaRPr lang="en-US"/>
           </a:p>
@@ -412,7 +412,7 @@
           <a:p>
             <a:fld id="{32F7251A-AE54-443C-B8FE-5F636E835EBF}" type="datetimeFigureOut">
               <a:rPr lang="en-US" smtClean="0"/>
-              <a:t>2/18/2018</a:t>
+              <a:t>8/2/2020</a:t>
             </a:fld>
             <a:endParaRPr lang="en-US"/>
           </a:p>
@@ -590,7 +590,7 @@
           <a:p>
             <a:fld id="{32F7251A-AE54-443C-B8FE-5F636E835EBF}" type="datetimeFigureOut">
               <a:rPr lang="en-US" smtClean="0"/>
-              <a:t>2/18/2018</a:t>
+              <a:t>8/2/2020</a:t>
             </a:fld>
             <a:endParaRPr lang="en-US"/>
           </a:p>
@@ -758,7 +758,7 @@
           <a:p>
             <a:fld id="{32F7251A-AE54-443C-B8FE-5F636E835EBF}" type="datetimeFigureOut">
               <a:rPr lang="en-US" smtClean="0"/>
-              <a:t>2/18/2018</a:t>
+              <a:t>8/2/2020</a:t>
             </a:fld>
             <a:endParaRPr lang="en-US"/>
           </a:p>
@@ -1003,7 +1003,7 @@
           <a:p>
             <a:fld id="{32F7251A-AE54-443C-B8FE-5F636E835EBF}" type="datetimeFigureOut">
               <a:rPr lang="en-US" smtClean="0"/>
-              <a:t>2/18/2018</a:t>
+              <a:t>8/2/2020</a:t>
             </a:fld>
             <a:endParaRPr lang="en-US"/>
           </a:p>
@@ -1232,7 +1232,7 @@
           <a:p>
             <a:fld id="{32F7251A-AE54-443C-B8FE-5F636E835EBF}" type="datetimeFigureOut">
               <a:rPr lang="en-US" smtClean="0"/>
-              <a:t>2/18/2018</a:t>
+              <a:t>8/2/2020</a:t>
             </a:fld>
             <a:endParaRPr lang="en-US"/>
           </a:p>
@@ -1596,7 +1596,7 @@
           <a:p>
             <a:fld id="{32F7251A-AE54-443C-B8FE-5F636E835EBF}" type="datetimeFigureOut">
               <a:rPr lang="en-US" smtClean="0"/>
-              <a:t>2/18/2018</a:t>
+              <a:t>8/2/2020</a:t>
             </a:fld>
             <a:endParaRPr lang="en-US"/>
           </a:p>
@@ -1713,7 +1713,7 @@
           <a:p>
             <a:fld id="{32F7251A-AE54-443C-B8FE-5F636E835EBF}" type="datetimeFigureOut">
               <a:rPr lang="en-US" smtClean="0"/>
-              <a:t>2/18/2018</a:t>
+              <a:t>8/2/2020</a:t>
             </a:fld>
             <a:endParaRPr lang="en-US"/>
           </a:p>
@@ -1808,7 +1808,7 @@
           <a:p>
             <a:fld id="{32F7251A-AE54-443C-B8FE-5F636E835EBF}" type="datetimeFigureOut">
               <a:rPr lang="en-US" smtClean="0"/>
-              <a:t>2/18/2018</a:t>
+              <a:t>8/2/2020</a:t>
             </a:fld>
             <a:endParaRPr lang="en-US"/>
           </a:p>
@@ -2083,7 +2083,7 @@
           <a:p>
             <a:fld id="{32F7251A-AE54-443C-B8FE-5F636E835EBF}" type="datetimeFigureOut">
               <a:rPr lang="en-US" smtClean="0"/>
-              <a:t>2/18/2018</a:t>
+              <a:t>8/2/2020</a:t>
             </a:fld>
             <a:endParaRPr lang="en-US"/>
           </a:p>
@@ -2335,7 +2335,7 @@
           <a:p>
             <a:fld id="{32F7251A-AE54-443C-B8FE-5F636E835EBF}" type="datetimeFigureOut">
               <a:rPr lang="en-US" smtClean="0"/>
-              <a:t>2/18/2018</a:t>
+              <a:t>8/2/2020</a:t>
             </a:fld>
             <a:endParaRPr lang="en-US"/>
           </a:p>
@@ -2402,7 +2402,9 @@
     <p:bg>
       <p:bgPr>
         <a:solidFill>
-          <a:srgbClr val="333333"/>
+          <a:schemeClr val="bg1">
+            <a:lumMod val="10000"/>
+          </a:schemeClr>
         </a:solidFill>
         <a:effectLst/>
       </p:bgPr>
@@ -2549,7 +2551,7 @@
           <a:p>
             <a:fld id="{32F7251A-AE54-443C-B8FE-5F636E835EBF}" type="datetimeFigureOut">
               <a:rPr lang="en-US" smtClean="0"/>
-              <a:t>2/18/2018</a:t>
+              <a:t>8/2/2020</a:t>
             </a:fld>
             <a:endParaRPr lang="en-US"/>
           </a:p>
@@ -3019,8 +3021,8 @@
         </p:nvSpPr>
         <p:spPr>
           <a:xfrm>
-            <a:off x="0" y="5804209"/>
-            <a:ext cx="12192000" cy="830997"/>
+            <a:off x="0" y="5927320"/>
+            <a:ext cx="12192000" cy="584775"/>
           </a:xfrm>
           <a:prstGeom prst="rect">
             <a:avLst/>
@@ -3035,10 +3037,12 @@
           <a:p>
             <a:pPr algn="ctr"/>
             <a:r>
-              <a:rPr lang="en-US" sz="4800" dirty="0">
+              <a:rPr lang="en-US" sz="3200" u="sng" dirty="0">
                 <a:solidFill>
                   <a:schemeClr val="bg1"/>
                 </a:solidFill>
+                <a:latin typeface="Assistant SemiBold" panose="00000700000000000000" pitchFamily="2" charset="-79"/>
+                <a:cs typeface="Assistant SemiBold" panose="00000700000000000000" pitchFamily="2" charset="-79"/>
               </a:rPr>
               <a:t>“Let Us Pray for One Another”</a:t>
             </a:r>
@@ -3053,8 +3057,8 @@
         </p:nvSpPr>
         <p:spPr>
           <a:xfrm>
-            <a:off x="0" y="215807"/>
-            <a:ext cx="12192000" cy="5078313"/>
+            <a:off x="0" y="729571"/>
+            <a:ext cx="12192000" cy="3970318"/>
           </a:xfrm>
           <a:prstGeom prst="rect">
             <a:avLst/>
@@ -3069,10 +3073,12 @@
           <a:p>
             <a:pPr algn="ctr"/>
             <a:r>
-              <a:rPr lang="en-US" sz="3600" dirty="0">
+              <a:rPr lang="en-US" sz="2800" spc="50" dirty="0">
                 <a:solidFill>
                   <a:schemeClr val="bg1"/>
                 </a:solidFill>
+                <a:latin typeface="Assistant" panose="00000500000000000000" pitchFamily="2" charset="-79"/>
+                <a:cs typeface="Assistant" panose="00000500000000000000" pitchFamily="2" charset="-79"/>
               </a:rPr>
               <a:t>Let us pray for one another,</a:t>
             </a:r>
@@ -3080,10 +3086,12 @@
           <a:p>
             <a:pPr algn="ctr"/>
             <a:r>
-              <a:rPr lang="en-US" sz="3600" dirty="0">
+              <a:rPr lang="en-US" sz="2800" spc="50" dirty="0">
                 <a:solidFill>
                   <a:schemeClr val="bg1"/>
                 </a:solidFill>
+                <a:latin typeface="Assistant" panose="00000500000000000000" pitchFamily="2" charset="-79"/>
+                <a:cs typeface="Assistant" panose="00000500000000000000" pitchFamily="2" charset="-79"/>
               </a:rPr>
               <a:t>For the day is fading fast</a:t>
             </a:r>
@@ -3091,10 +3099,12 @@
           <a:p>
             <a:pPr algn="ctr"/>
             <a:r>
-              <a:rPr lang="en-US" sz="3600" dirty="0">
+              <a:rPr lang="en-US" sz="2800" spc="50" dirty="0">
                 <a:solidFill>
                   <a:schemeClr val="bg1"/>
                 </a:solidFill>
+                <a:latin typeface="Assistant" panose="00000500000000000000" pitchFamily="2" charset="-79"/>
+                <a:cs typeface="Assistant" panose="00000500000000000000" pitchFamily="2" charset="-79"/>
               </a:rPr>
               <a:t>And the night is growing darker,</a:t>
             </a:r>
@@ -3102,29 +3112,35 @@
           <a:p>
             <a:pPr algn="ctr"/>
             <a:r>
-              <a:rPr lang="en-US" sz="3600" dirty="0">
+              <a:rPr lang="en-US" sz="2800" spc="50" dirty="0">
                 <a:solidFill>
                   <a:schemeClr val="bg1"/>
                 </a:solidFill>
+                <a:latin typeface="Assistant" panose="00000500000000000000" pitchFamily="2" charset="-79"/>
+                <a:cs typeface="Assistant" panose="00000500000000000000" pitchFamily="2" charset="-79"/>
               </a:rPr>
               <a:t>While the scourge goes flaming past;</a:t>
             </a:r>
           </a:p>
           <a:p>
             <a:pPr algn="ctr"/>
-            <a:endParaRPr lang="en-US" sz="3600" dirty="0">
+            <a:endParaRPr lang="en-US" sz="2800" spc="50" dirty="0">
               <a:solidFill>
                 <a:schemeClr val="bg1"/>
               </a:solidFill>
+              <a:latin typeface="Assistant" panose="00000500000000000000" pitchFamily="2" charset="-79"/>
+              <a:cs typeface="Assistant" panose="00000500000000000000" pitchFamily="2" charset="-79"/>
             </a:endParaRPr>
           </a:p>
           <a:p>
             <a:pPr algn="ctr"/>
             <a:r>
-              <a:rPr lang="en-US" sz="3600" dirty="0">
+              <a:rPr lang="en-US" sz="2800" spc="50" dirty="0">
                 <a:solidFill>
                   <a:schemeClr val="bg1"/>
                 </a:solidFill>
+                <a:latin typeface="Assistant" panose="00000500000000000000" pitchFamily="2" charset="-79"/>
+                <a:cs typeface="Assistant" panose="00000500000000000000" pitchFamily="2" charset="-79"/>
               </a:rPr>
               <a:t>We can see it in the darkness</a:t>
             </a:r>
@@ -3132,10 +3148,12 @@
           <a:p>
             <a:pPr algn="ctr"/>
             <a:r>
-              <a:rPr lang="en-US" sz="3600" dirty="0">
+              <a:rPr lang="en-US" sz="2800" spc="50" dirty="0">
                 <a:solidFill>
                   <a:schemeClr val="bg1"/>
                 </a:solidFill>
+                <a:latin typeface="Assistant" panose="00000500000000000000" pitchFamily="2" charset="-79"/>
+                <a:cs typeface="Assistant" panose="00000500000000000000" pitchFamily="2" charset="-79"/>
               </a:rPr>
               <a:t>Closing ‘round our narrow way,</a:t>
             </a:r>
@@ -3143,10 +3161,12 @@
           <a:p>
             <a:pPr algn="ctr"/>
             <a:r>
-              <a:rPr lang="en-US" sz="3600" dirty="0">
+              <a:rPr lang="en-US" sz="2800" spc="50" dirty="0">
                 <a:solidFill>
                   <a:schemeClr val="bg1"/>
                 </a:solidFill>
+                <a:latin typeface="Assistant" panose="00000500000000000000" pitchFamily="2" charset="-79"/>
+                <a:cs typeface="Assistant" panose="00000500000000000000" pitchFamily="2" charset="-79"/>
               </a:rPr>
               <a:t>And the snares are growing thicker;</a:t>
             </a:r>
@@ -3154,10 +3174,12 @@
           <a:p>
             <a:pPr algn="ctr"/>
             <a:r>
-              <a:rPr lang="en-US" sz="3600" dirty="0">
+              <a:rPr lang="en-US" sz="2800" spc="50" dirty="0">
                 <a:solidFill>
                   <a:schemeClr val="bg1"/>
                 </a:solidFill>
+                <a:latin typeface="Assistant" panose="00000500000000000000" pitchFamily="2" charset="-79"/>
+                <a:cs typeface="Assistant" panose="00000500000000000000" pitchFamily="2" charset="-79"/>
               </a:rPr>
               <a:t>For each other let us pray.</a:t>
             </a:r>
@@ -3259,8 +3281,8 @@
         </p:nvSpPr>
         <p:spPr>
           <a:xfrm>
-            <a:off x="0" y="5804209"/>
-            <a:ext cx="12192000" cy="830997"/>
+            <a:off x="0" y="5927320"/>
+            <a:ext cx="12192000" cy="584775"/>
           </a:xfrm>
           <a:prstGeom prst="rect">
             <a:avLst/>
@@ -3275,10 +3297,12 @@
           <a:p>
             <a:pPr algn="ctr"/>
             <a:r>
-              <a:rPr lang="en-US" sz="4800" dirty="0">
+              <a:rPr lang="en-US" sz="3200" u="sng" dirty="0">
                 <a:solidFill>
                   <a:schemeClr val="bg1"/>
                 </a:solidFill>
+                <a:latin typeface="Assistant SemiBold" panose="00000700000000000000" pitchFamily="2" charset="-79"/>
+                <a:cs typeface="Assistant SemiBold" panose="00000700000000000000" pitchFamily="2" charset="-79"/>
               </a:rPr>
               <a:t>“Let Us Pray for One Another”</a:t>
             </a:r>
@@ -3293,8 +3317,8 @@
         </p:nvSpPr>
         <p:spPr>
           <a:xfrm>
-            <a:off x="0" y="215807"/>
-            <a:ext cx="12192000" cy="5078313"/>
+            <a:off x="0" y="729571"/>
+            <a:ext cx="12192000" cy="3970318"/>
           </a:xfrm>
           <a:prstGeom prst="rect">
             <a:avLst/>
@@ -3309,10 +3333,12 @@
           <a:p>
             <a:pPr algn="ctr"/>
             <a:r>
-              <a:rPr lang="en-US" sz="3600" dirty="0">
+              <a:rPr lang="en-US" sz="2800" spc="50" dirty="0">
                 <a:solidFill>
                   <a:schemeClr val="bg1"/>
                 </a:solidFill>
+                <a:latin typeface="Assistant" panose="00000500000000000000" pitchFamily="2" charset="-79"/>
+                <a:cs typeface="Assistant" panose="00000500000000000000" pitchFamily="2" charset="-79"/>
               </a:rPr>
               <a:t>We are walking down time’s vista;</a:t>
             </a:r>
@@ -3320,10 +3346,12 @@
           <a:p>
             <a:pPr algn="ctr"/>
             <a:r>
-              <a:rPr lang="en-US" sz="3600" dirty="0">
+              <a:rPr lang="en-US" sz="2800" spc="50" dirty="0">
                 <a:solidFill>
                   <a:schemeClr val="bg1"/>
                 </a:solidFill>
+                <a:latin typeface="Assistant" panose="00000500000000000000" pitchFamily="2" charset="-79"/>
+                <a:cs typeface="Assistant" panose="00000500000000000000" pitchFamily="2" charset="-79"/>
               </a:rPr>
               <a:t>We are very near the end;</a:t>
             </a:r>
@@ -3331,10 +3359,12 @@
           <a:p>
             <a:pPr algn="ctr"/>
             <a:r>
-              <a:rPr lang="en-US" sz="3600" dirty="0">
+              <a:rPr lang="en-US" sz="2800" spc="50" dirty="0">
                 <a:solidFill>
                   <a:schemeClr val="bg1"/>
                 </a:solidFill>
+                <a:latin typeface="Assistant" panose="00000500000000000000" pitchFamily="2" charset="-79"/>
+                <a:cs typeface="Assistant" panose="00000500000000000000" pitchFamily="2" charset="-79"/>
               </a:rPr>
               <a:t>Let us pray that God, the Father,</a:t>
             </a:r>
@@ -3342,29 +3372,35 @@
           <a:p>
             <a:pPr algn="ctr"/>
             <a:r>
-              <a:rPr lang="en-US" sz="3600" dirty="0">
+              <a:rPr lang="en-US" sz="2800" spc="50" dirty="0">
                 <a:solidFill>
                   <a:schemeClr val="bg1"/>
                 </a:solidFill>
+                <a:latin typeface="Assistant" panose="00000500000000000000" pitchFamily="2" charset="-79"/>
+                <a:cs typeface="Assistant" panose="00000500000000000000" pitchFamily="2" charset="-79"/>
               </a:rPr>
               <a:t>Will His guiding Spirit send.</a:t>
             </a:r>
           </a:p>
           <a:p>
             <a:pPr algn="ctr"/>
-            <a:endParaRPr lang="en-US" sz="3600" dirty="0">
+            <a:endParaRPr lang="en-US" sz="2800" spc="50" dirty="0">
               <a:solidFill>
                 <a:schemeClr val="bg1"/>
               </a:solidFill>
+              <a:latin typeface="Assistant" panose="00000500000000000000" pitchFamily="2" charset="-79"/>
+              <a:cs typeface="Assistant" panose="00000500000000000000" pitchFamily="2" charset="-79"/>
             </a:endParaRPr>
           </a:p>
           <a:p>
             <a:pPr algn="ctr"/>
             <a:r>
-              <a:rPr lang="en-US" sz="3600" dirty="0">
+              <a:rPr lang="en-US" sz="2800" spc="50" dirty="0">
                 <a:solidFill>
                   <a:schemeClr val="bg1"/>
                 </a:solidFill>
+                <a:latin typeface="Assistant" panose="00000500000000000000" pitchFamily="2" charset="-79"/>
+                <a:cs typeface="Assistant" panose="00000500000000000000" pitchFamily="2" charset="-79"/>
               </a:rPr>
               <a:t>Now the foe becomes more daring,</a:t>
             </a:r>
@@ -3372,10 +3408,12 @@
           <a:p>
             <a:pPr algn="ctr"/>
             <a:r>
-              <a:rPr lang="en-US" sz="3600" dirty="0">
+              <a:rPr lang="en-US" sz="2800" spc="50" dirty="0">
                 <a:solidFill>
                   <a:schemeClr val="bg1"/>
                 </a:solidFill>
+                <a:latin typeface="Assistant" panose="00000500000000000000" pitchFamily="2" charset="-79"/>
+                <a:cs typeface="Assistant" panose="00000500000000000000" pitchFamily="2" charset="-79"/>
               </a:rPr>
               <a:t>Knowing well the latter day;</a:t>
             </a:r>
@@ -3383,18 +3421,22 @@
           <a:p>
             <a:pPr algn="ctr"/>
             <a:r>
-              <a:rPr lang="en-US" sz="3600" dirty="0" err="1">
+              <a:rPr lang="en-US" sz="2800" spc="50" dirty="0" err="1">
                 <a:solidFill>
                   <a:schemeClr val="bg1"/>
                 </a:solidFill>
+                <a:latin typeface="Assistant" panose="00000500000000000000" pitchFamily="2" charset="-79"/>
+                <a:cs typeface="Assistant" panose="00000500000000000000" pitchFamily="2" charset="-79"/>
               </a:rPr>
               <a:t>‘Tis</a:t>
             </a:r>
             <a:r>
-              <a:rPr lang="en-US" sz="3600" dirty="0">
+              <a:rPr lang="en-US" sz="2800" spc="50" dirty="0">
                 <a:solidFill>
                   <a:schemeClr val="bg1"/>
                 </a:solidFill>
+                <a:latin typeface="Assistant" panose="00000500000000000000" pitchFamily="2" charset="-79"/>
+                <a:cs typeface="Assistant" panose="00000500000000000000" pitchFamily="2" charset="-79"/>
               </a:rPr>
               <a:t> the strength of His despairing;</a:t>
             </a:r>
@@ -3402,10 +3444,12 @@
           <a:p>
             <a:pPr algn="ctr"/>
             <a:r>
-              <a:rPr lang="en-US" sz="3600" dirty="0">
+              <a:rPr lang="en-US" sz="2800" spc="50" dirty="0">
                 <a:solidFill>
                   <a:schemeClr val="bg1"/>
                 </a:solidFill>
+                <a:latin typeface="Assistant" panose="00000500000000000000" pitchFamily="2" charset="-79"/>
+                <a:cs typeface="Assistant" panose="00000500000000000000" pitchFamily="2" charset="-79"/>
               </a:rPr>
               <a:t>For each other let us pray.</a:t>
             </a:r>
@@ -3507,8 +3551,8 @@
         </p:nvSpPr>
         <p:spPr>
           <a:xfrm>
-            <a:off x="0" y="5804209"/>
-            <a:ext cx="12192000" cy="830997"/>
+            <a:off x="0" y="5927320"/>
+            <a:ext cx="12192000" cy="584775"/>
           </a:xfrm>
           <a:prstGeom prst="rect">
             <a:avLst/>
@@ -3523,10 +3567,12 @@
           <a:p>
             <a:pPr algn="ctr"/>
             <a:r>
-              <a:rPr lang="en-US" sz="4800" dirty="0">
+              <a:rPr lang="en-US" sz="3200" u="sng" dirty="0">
                 <a:solidFill>
                   <a:schemeClr val="bg1"/>
                 </a:solidFill>
+                <a:latin typeface="Assistant SemiBold" panose="00000700000000000000" pitchFamily="2" charset="-79"/>
+                <a:cs typeface="Assistant SemiBold" panose="00000700000000000000" pitchFamily="2" charset="-79"/>
               </a:rPr>
               <a:t>“Let Us Pray for One Another”</a:t>
             </a:r>
@@ -3541,8 +3587,8 @@
         </p:nvSpPr>
         <p:spPr>
           <a:xfrm>
-            <a:off x="0" y="215807"/>
-            <a:ext cx="12192000" cy="5078313"/>
+            <a:off x="0" y="729571"/>
+            <a:ext cx="12192000" cy="3970318"/>
           </a:xfrm>
           <a:prstGeom prst="rect">
             <a:avLst/>
@@ -3557,10 +3603,12 @@
           <a:p>
             <a:pPr algn="ctr"/>
             <a:r>
-              <a:rPr lang="en-US" sz="3600" dirty="0">
+              <a:rPr lang="en-US" sz="2800" spc="50" dirty="0">
                 <a:solidFill>
                   <a:schemeClr val="bg1"/>
                 </a:solidFill>
+                <a:latin typeface="Assistant" panose="00000500000000000000" pitchFamily="2" charset="-79"/>
+                <a:cs typeface="Assistant" panose="00000500000000000000" pitchFamily="2" charset="-79"/>
               </a:rPr>
               <a:t>Pray in faith, and pray unceasing,</a:t>
             </a:r>
@@ -3568,10 +3616,12 @@
           <a:p>
             <a:pPr algn="ctr"/>
             <a:r>
-              <a:rPr lang="en-US" sz="3600" dirty="0">
+              <a:rPr lang="en-US" sz="2800" spc="50" dirty="0">
                 <a:solidFill>
                   <a:schemeClr val="bg1"/>
                 </a:solidFill>
+                <a:latin typeface="Assistant" panose="00000500000000000000" pitchFamily="2" charset="-79"/>
+                <a:cs typeface="Assistant" panose="00000500000000000000" pitchFamily="2" charset="-79"/>
               </a:rPr>
               <a:t>To the God we love and trust,</a:t>
             </a:r>
@@ -3579,10 +3629,12 @@
           <a:p>
             <a:pPr algn="ctr"/>
             <a:r>
-              <a:rPr lang="en-US" sz="3600" dirty="0">
+              <a:rPr lang="en-US" sz="2800" spc="50" dirty="0">
                 <a:solidFill>
                   <a:schemeClr val="bg1"/>
                 </a:solidFill>
+                <a:latin typeface="Assistant" panose="00000500000000000000" pitchFamily="2" charset="-79"/>
+                <a:cs typeface="Assistant" panose="00000500000000000000" pitchFamily="2" charset="-79"/>
               </a:rPr>
               <a:t>For our prayers are much availing</a:t>
             </a:r>
@@ -3590,29 +3642,35 @@
           <a:p>
             <a:pPr algn="ctr"/>
             <a:r>
-              <a:rPr lang="en-US" sz="3600" dirty="0">
+              <a:rPr lang="en-US" sz="2800" spc="50" dirty="0">
                 <a:solidFill>
                   <a:schemeClr val="bg1"/>
                 </a:solidFill>
+                <a:latin typeface="Assistant" panose="00000500000000000000" pitchFamily="2" charset="-79"/>
+                <a:cs typeface="Assistant" panose="00000500000000000000" pitchFamily="2" charset="-79"/>
               </a:rPr>
               <a:t>If we walk upright and just;</a:t>
             </a:r>
           </a:p>
           <a:p>
             <a:pPr algn="ctr"/>
-            <a:endParaRPr lang="en-US" sz="3600" dirty="0">
+            <a:endParaRPr lang="en-US" sz="2800" spc="50" dirty="0">
               <a:solidFill>
                 <a:schemeClr val="bg1"/>
               </a:solidFill>
+              <a:latin typeface="Assistant" panose="00000500000000000000" pitchFamily="2" charset="-79"/>
+              <a:cs typeface="Assistant" panose="00000500000000000000" pitchFamily="2" charset="-79"/>
             </a:endParaRPr>
           </a:p>
           <a:p>
             <a:pPr algn="ctr"/>
             <a:r>
-              <a:rPr lang="en-US" sz="3600" dirty="0">
+              <a:rPr lang="en-US" sz="2800" spc="50" dirty="0">
                 <a:solidFill>
                   <a:schemeClr val="bg1"/>
                 </a:solidFill>
+                <a:latin typeface="Assistant" panose="00000500000000000000" pitchFamily="2" charset="-79"/>
+                <a:cs typeface="Assistant" panose="00000500000000000000" pitchFamily="2" charset="-79"/>
               </a:rPr>
               <a:t>Be not weary of exhorting;</a:t>
             </a:r>
@@ -3620,10 +3678,12 @@
           <a:p>
             <a:pPr algn="ctr"/>
             <a:r>
-              <a:rPr lang="en-US" sz="3600" dirty="0">
+              <a:rPr lang="en-US" sz="2800" spc="50" dirty="0">
                 <a:solidFill>
                   <a:schemeClr val="bg1"/>
                 </a:solidFill>
+                <a:latin typeface="Assistant" panose="00000500000000000000" pitchFamily="2" charset="-79"/>
+                <a:cs typeface="Assistant" panose="00000500000000000000" pitchFamily="2" charset="-79"/>
               </a:rPr>
               <a:t>Heed the lesson of each day;</a:t>
             </a:r>
@@ -3631,10 +3691,12 @@
           <a:p>
             <a:pPr algn="ctr"/>
             <a:r>
-              <a:rPr lang="en-US" sz="3600" dirty="0">
+              <a:rPr lang="en-US" sz="2800" spc="50" dirty="0">
                 <a:solidFill>
                   <a:schemeClr val="bg1"/>
                 </a:solidFill>
+                <a:latin typeface="Assistant" panose="00000500000000000000" pitchFamily="2" charset="-79"/>
+                <a:cs typeface="Assistant" panose="00000500000000000000" pitchFamily="2" charset="-79"/>
               </a:rPr>
               <a:t>And that we may be unwavering,</a:t>
             </a:r>
@@ -3642,10 +3704,12 @@
           <a:p>
             <a:pPr algn="ctr"/>
             <a:r>
-              <a:rPr lang="en-US" sz="3600" dirty="0">
+              <a:rPr lang="en-US" sz="2800" spc="50" dirty="0">
                 <a:solidFill>
                   <a:schemeClr val="bg1"/>
                 </a:solidFill>
+                <a:latin typeface="Assistant" panose="00000500000000000000" pitchFamily="2" charset="-79"/>
+                <a:cs typeface="Assistant" panose="00000500000000000000" pitchFamily="2" charset="-79"/>
               </a:rPr>
               <a:t>For each other let us pray.</a:t>
             </a:r>
@@ -3747,8 +3811,8 @@
         </p:nvSpPr>
         <p:spPr>
           <a:xfrm>
-            <a:off x="0" y="5804209"/>
-            <a:ext cx="12192000" cy="830997"/>
+            <a:off x="0" y="5927320"/>
+            <a:ext cx="12192000" cy="584775"/>
           </a:xfrm>
           <a:prstGeom prst="rect">
             <a:avLst/>
@@ -3763,10 +3827,12 @@
           <a:p>
             <a:pPr algn="ctr"/>
             <a:r>
-              <a:rPr lang="en-US" sz="4800" dirty="0">
+              <a:rPr lang="en-US" sz="3200" u="sng" dirty="0">
                 <a:solidFill>
                   <a:schemeClr val="bg1"/>
                 </a:solidFill>
+                <a:latin typeface="Assistant SemiBold" panose="00000700000000000000" pitchFamily="2" charset="-79"/>
+                <a:cs typeface="Assistant SemiBold" panose="00000700000000000000" pitchFamily="2" charset="-79"/>
               </a:rPr>
               <a:t>“Let Us Pray for One Another”</a:t>
             </a:r>
@@ -3781,8 +3847,8 @@
         </p:nvSpPr>
         <p:spPr>
           <a:xfrm>
-            <a:off x="0" y="215807"/>
-            <a:ext cx="12192000" cy="5078313"/>
+            <a:off x="0" y="729571"/>
+            <a:ext cx="12192000" cy="3970318"/>
           </a:xfrm>
           <a:prstGeom prst="rect">
             <a:avLst/>
@@ -3797,10 +3863,12 @@
           <a:p>
             <a:pPr algn="ctr"/>
             <a:r>
-              <a:rPr lang="en-US" sz="3600" dirty="0">
+              <a:rPr lang="en-US" sz="2800" spc="50" dirty="0">
                 <a:solidFill>
                   <a:schemeClr val="bg1"/>
                 </a:solidFill>
+                <a:latin typeface="Assistant" panose="00000500000000000000" pitchFamily="2" charset="-79"/>
+                <a:cs typeface="Assistant" panose="00000500000000000000" pitchFamily="2" charset="-79"/>
               </a:rPr>
               <a:t>It is waning on toward midnight;</a:t>
             </a:r>
@@ -3808,10 +3876,12 @@
           <a:p>
             <a:pPr algn="ctr"/>
             <a:r>
-              <a:rPr lang="en-US" sz="3600" dirty="0">
+              <a:rPr lang="en-US" sz="2800" spc="50" dirty="0">
                 <a:solidFill>
                   <a:schemeClr val="bg1"/>
                 </a:solidFill>
+                <a:latin typeface="Assistant" panose="00000500000000000000" pitchFamily="2" charset="-79"/>
+                <a:cs typeface="Assistant" panose="00000500000000000000" pitchFamily="2" charset="-79"/>
               </a:rPr>
               <a:t>Soon we’ll hear the watchman say,</a:t>
             </a:r>
@@ -3819,10 +3889,12 @@
           <a:p>
             <a:pPr algn="ctr"/>
             <a:r>
-              <a:rPr lang="en-US" sz="3600" dirty="0">
+              <a:rPr lang="en-US" sz="2800" spc="50" dirty="0">
                 <a:solidFill>
                   <a:schemeClr val="bg1"/>
                 </a:solidFill>
+                <a:latin typeface="Assistant" panose="00000500000000000000" pitchFamily="2" charset="-79"/>
+                <a:cs typeface="Assistant" panose="00000500000000000000" pitchFamily="2" charset="-79"/>
               </a:rPr>
               <a:t>“See, the Son of God is coming;</a:t>
             </a:r>
@@ -3830,29 +3902,35 @@
           <a:p>
             <a:pPr algn="ctr"/>
             <a:r>
-              <a:rPr lang="en-US" sz="3600" dirty="0">
+              <a:rPr lang="en-US" sz="2800" spc="50" dirty="0">
                 <a:solidFill>
                   <a:schemeClr val="bg1"/>
                 </a:solidFill>
+                <a:latin typeface="Assistant" panose="00000500000000000000" pitchFamily="2" charset="-79"/>
+                <a:cs typeface="Assistant" panose="00000500000000000000" pitchFamily="2" charset="-79"/>
               </a:rPr>
               <a:t>Go and meet Him on the way!”</a:t>
             </a:r>
           </a:p>
           <a:p>
             <a:pPr algn="ctr"/>
-            <a:endParaRPr lang="en-US" sz="3600" dirty="0">
+            <a:endParaRPr lang="en-US" sz="2800" spc="50" dirty="0">
               <a:solidFill>
                 <a:schemeClr val="bg1"/>
               </a:solidFill>
+              <a:latin typeface="Assistant" panose="00000500000000000000" pitchFamily="2" charset="-79"/>
+              <a:cs typeface="Assistant" panose="00000500000000000000" pitchFamily="2" charset="-79"/>
             </a:endParaRPr>
           </a:p>
           <a:p>
             <a:pPr algn="ctr"/>
             <a:r>
-              <a:rPr lang="en-US" sz="3600" dirty="0">
+              <a:rPr lang="en-US" sz="2800" spc="50" dirty="0">
                 <a:solidFill>
                   <a:schemeClr val="bg1"/>
                 </a:solidFill>
+                <a:latin typeface="Assistant" panose="00000500000000000000" pitchFamily="2" charset="-79"/>
+                <a:cs typeface="Assistant" panose="00000500000000000000" pitchFamily="2" charset="-79"/>
               </a:rPr>
               <a:t>That our lamps may then be burning</a:t>
             </a:r>
@@ -3860,10 +3938,12 @@
           <a:p>
             <a:pPr algn="ctr"/>
             <a:r>
-              <a:rPr lang="en-US" sz="3600" dirty="0">
+              <a:rPr lang="en-US" sz="2800" spc="50" dirty="0">
                 <a:solidFill>
                   <a:schemeClr val="bg1"/>
                 </a:solidFill>
+                <a:latin typeface="Assistant" panose="00000500000000000000" pitchFamily="2" charset="-79"/>
+                <a:cs typeface="Assistant" panose="00000500000000000000" pitchFamily="2" charset="-79"/>
               </a:rPr>
               <a:t>Bright enough to guide out way,</a:t>
             </a:r>
@@ -3871,10 +3951,12 @@
           <a:p>
             <a:pPr algn="ctr"/>
             <a:r>
-              <a:rPr lang="en-US" sz="3600" dirty="0">
+              <a:rPr lang="en-US" sz="2800" spc="50" dirty="0">
                 <a:solidFill>
                   <a:schemeClr val="bg1"/>
                 </a:solidFill>
+                <a:latin typeface="Assistant" panose="00000500000000000000" pitchFamily="2" charset="-79"/>
+                <a:cs typeface="Assistant" panose="00000500000000000000" pitchFamily="2" charset="-79"/>
               </a:rPr>
               <a:t>And that we may share His glory,</a:t>
             </a:r>
@@ -3882,10 +3964,12 @@
           <a:p>
             <a:pPr algn="ctr"/>
             <a:r>
-              <a:rPr lang="en-US" sz="3600" dirty="0">
+              <a:rPr lang="en-US" sz="2800" spc="50" dirty="0">
                 <a:solidFill>
                   <a:schemeClr val="bg1"/>
                 </a:solidFill>
+                <a:latin typeface="Assistant" panose="00000500000000000000" pitchFamily="2" charset="-79"/>
+                <a:cs typeface="Assistant" panose="00000500000000000000" pitchFamily="2" charset="-79"/>
               </a:rPr>
               <a:t>For each other let us pray.</a:t>
             </a:r>
